--- a/ppt 16-9/0323.我将你的话.pptx
+++ b/ppt 16-9/0323.我将你的话.pptx
@@ -129,7 +129,7 @@
           <p:cNvPr id="2" name="标题 1">
             <a:extLst>
               <a:ext uri="{FF2B5EF4-FFF2-40B4-BE49-F238E27FC236}">
-                <a16:creationId xmlns:a16="http://schemas.microsoft.com/office/drawing/2014/main" id="{73E460D5-6106-4FF2-02EC-4C80A70E7647}"/>
+                <a16:creationId xmlns:a16="http://schemas.microsoft.com/office/drawing/2014/main" id="{F2FC2C4B-DD0B-8999-9783-2F12E40D2CB0}"/>
               </a:ext>
             </a:extLst>
           </p:cNvPr>
@@ -166,7 +166,7 @@
           <p:cNvPr id="3" name="副标题 2">
             <a:extLst>
               <a:ext uri="{FF2B5EF4-FFF2-40B4-BE49-F238E27FC236}">
-                <a16:creationId xmlns:a16="http://schemas.microsoft.com/office/drawing/2014/main" id="{8EB308F2-9C94-07E9-E60F-0EDF403E415E}"/>
+                <a16:creationId xmlns:a16="http://schemas.microsoft.com/office/drawing/2014/main" id="{012C645C-89B5-2894-D1F0-846A10064648}"/>
               </a:ext>
             </a:extLst>
           </p:cNvPr>
@@ -236,7 +236,7 @@
           <p:cNvPr id="4" name="日期占位符 3">
             <a:extLst>
               <a:ext uri="{FF2B5EF4-FFF2-40B4-BE49-F238E27FC236}">
-                <a16:creationId xmlns:a16="http://schemas.microsoft.com/office/drawing/2014/main" id="{66C0DB37-218C-DE36-4CD9-890C7BE39CFF}"/>
+                <a16:creationId xmlns:a16="http://schemas.microsoft.com/office/drawing/2014/main" id="{53289D4C-D22A-22A6-6C19-4C847B702C3B}"/>
               </a:ext>
             </a:extLst>
           </p:cNvPr>
@@ -252,7 +252,7 @@
           <a:bodyPr/>
           <a:lstStyle/>
           <a:p>
-            <a:fld id="{A6C803BF-3F3F-442F-A397-4845155696B2}" type="datetimeFigureOut">
+            <a:fld id="{D1152A31-9250-476C-B588-8D6380E8E29D}" type="datetimeFigureOut">
               <a:rPr lang="zh-CN" altLang="en-US" smtClean="0"/>
               <a:t>2024/3/10</a:t>
             </a:fld>
@@ -265,7 +265,7 @@
           <p:cNvPr id="5" name="页脚占位符 4">
             <a:extLst>
               <a:ext uri="{FF2B5EF4-FFF2-40B4-BE49-F238E27FC236}">
-                <a16:creationId xmlns:a16="http://schemas.microsoft.com/office/drawing/2014/main" id="{5B06B5DF-06DB-AE93-E36E-D1FDBBD3F5C0}"/>
+                <a16:creationId xmlns:a16="http://schemas.microsoft.com/office/drawing/2014/main" id="{B4D5D725-17FE-6DC1-AFD6-18E071E14D8F}"/>
               </a:ext>
             </a:extLst>
           </p:cNvPr>
@@ -290,7 +290,7 @@
           <p:cNvPr id="6" name="灯片编号占位符 5">
             <a:extLst>
               <a:ext uri="{FF2B5EF4-FFF2-40B4-BE49-F238E27FC236}">
-                <a16:creationId xmlns:a16="http://schemas.microsoft.com/office/drawing/2014/main" id="{C77C4693-54E6-7577-DF65-4EED95EB80E8}"/>
+                <a16:creationId xmlns:a16="http://schemas.microsoft.com/office/drawing/2014/main" id="{743C1809-F71A-B97E-51DE-245789DEDDA0}"/>
               </a:ext>
             </a:extLst>
           </p:cNvPr>
@@ -306,7 +306,7 @@
           <a:bodyPr/>
           <a:lstStyle/>
           <a:p>
-            <a:fld id="{1123E4E8-26FA-479C-913C-ED55A540B23B}" type="slidenum">
+            <a:fld id="{20D57A04-55AA-454D-B4EA-6E452F192E81}" type="slidenum">
               <a:rPr lang="zh-CN" altLang="en-US" smtClean="0"/>
               <a:t>‹#›</a:t>
             </a:fld>
@@ -317,7 +317,7 @@
     </p:spTree>
     <p:extLst>
       <p:ext uri="{BB962C8B-B14F-4D97-AF65-F5344CB8AC3E}">
-        <p14:creationId xmlns:p14="http://schemas.microsoft.com/office/powerpoint/2010/main" val="1309240025"/>
+        <p14:creationId xmlns:p14="http://schemas.microsoft.com/office/powerpoint/2010/main" val="1637694605"/>
       </p:ext>
     </p:extLst>
   </p:cSld>
@@ -349,7 +349,7 @@
           <p:cNvPr id="2" name="标题 1">
             <a:extLst>
               <a:ext uri="{FF2B5EF4-FFF2-40B4-BE49-F238E27FC236}">
-                <a16:creationId xmlns:a16="http://schemas.microsoft.com/office/drawing/2014/main" id="{E248C0F3-1BD1-AFAA-E418-701CA485A25B}"/>
+                <a16:creationId xmlns:a16="http://schemas.microsoft.com/office/drawing/2014/main" id="{10759DF2-1D59-11E9-9A5C-FDB7F42E3038}"/>
               </a:ext>
             </a:extLst>
           </p:cNvPr>
@@ -377,7 +377,7 @@
           <p:cNvPr id="3" name="竖排文字占位符 2">
             <a:extLst>
               <a:ext uri="{FF2B5EF4-FFF2-40B4-BE49-F238E27FC236}">
-                <a16:creationId xmlns:a16="http://schemas.microsoft.com/office/drawing/2014/main" id="{EBA3B439-18EC-990D-497D-2F47CCC673CB}"/>
+                <a16:creationId xmlns:a16="http://schemas.microsoft.com/office/drawing/2014/main" id="{C8EFF35A-6AFB-8073-ECD8-1BAA11E4E3A6}"/>
               </a:ext>
             </a:extLst>
           </p:cNvPr>
@@ -434,7 +434,7 @@
           <p:cNvPr id="4" name="日期占位符 3">
             <a:extLst>
               <a:ext uri="{FF2B5EF4-FFF2-40B4-BE49-F238E27FC236}">
-                <a16:creationId xmlns:a16="http://schemas.microsoft.com/office/drawing/2014/main" id="{9D272D3F-1304-D068-1283-2F0D4DF15588}"/>
+                <a16:creationId xmlns:a16="http://schemas.microsoft.com/office/drawing/2014/main" id="{E6DF50E0-166C-0CB6-F4F6-CA3375ED6D7A}"/>
               </a:ext>
             </a:extLst>
           </p:cNvPr>
@@ -450,7 +450,7 @@
           <a:bodyPr/>
           <a:lstStyle/>
           <a:p>
-            <a:fld id="{A6C803BF-3F3F-442F-A397-4845155696B2}" type="datetimeFigureOut">
+            <a:fld id="{D1152A31-9250-476C-B588-8D6380E8E29D}" type="datetimeFigureOut">
               <a:rPr lang="zh-CN" altLang="en-US" smtClean="0"/>
               <a:t>2024/3/10</a:t>
             </a:fld>
@@ -463,7 +463,7 @@
           <p:cNvPr id="5" name="页脚占位符 4">
             <a:extLst>
               <a:ext uri="{FF2B5EF4-FFF2-40B4-BE49-F238E27FC236}">
-                <a16:creationId xmlns:a16="http://schemas.microsoft.com/office/drawing/2014/main" id="{29B676AA-F840-E26E-BE68-6D83018D1D04}"/>
+                <a16:creationId xmlns:a16="http://schemas.microsoft.com/office/drawing/2014/main" id="{EFDD9368-48B1-1D16-340F-D138ADF37035}"/>
               </a:ext>
             </a:extLst>
           </p:cNvPr>
@@ -488,7 +488,7 @@
           <p:cNvPr id="6" name="灯片编号占位符 5">
             <a:extLst>
               <a:ext uri="{FF2B5EF4-FFF2-40B4-BE49-F238E27FC236}">
-                <a16:creationId xmlns:a16="http://schemas.microsoft.com/office/drawing/2014/main" id="{445F30A6-4DCE-2923-2B03-7E453FC000AA}"/>
+                <a16:creationId xmlns:a16="http://schemas.microsoft.com/office/drawing/2014/main" id="{5DE4F381-377A-43F2-7AFD-8F59D5B5906F}"/>
               </a:ext>
             </a:extLst>
           </p:cNvPr>
@@ -504,7 +504,7 @@
           <a:bodyPr/>
           <a:lstStyle/>
           <a:p>
-            <a:fld id="{1123E4E8-26FA-479C-913C-ED55A540B23B}" type="slidenum">
+            <a:fld id="{20D57A04-55AA-454D-B4EA-6E452F192E81}" type="slidenum">
               <a:rPr lang="zh-CN" altLang="en-US" smtClean="0"/>
               <a:t>‹#›</a:t>
             </a:fld>
@@ -515,7 +515,7 @@
     </p:spTree>
     <p:extLst>
       <p:ext uri="{BB962C8B-B14F-4D97-AF65-F5344CB8AC3E}">
-        <p14:creationId xmlns:p14="http://schemas.microsoft.com/office/powerpoint/2010/main" val="963668310"/>
+        <p14:creationId xmlns:p14="http://schemas.microsoft.com/office/powerpoint/2010/main" val="110774076"/>
       </p:ext>
     </p:extLst>
   </p:cSld>
@@ -547,7 +547,7 @@
           <p:cNvPr id="2" name="竖排标题 1">
             <a:extLst>
               <a:ext uri="{FF2B5EF4-FFF2-40B4-BE49-F238E27FC236}">
-                <a16:creationId xmlns:a16="http://schemas.microsoft.com/office/drawing/2014/main" id="{C533429D-CA71-CC16-C843-E8B6FA32ECB4}"/>
+                <a16:creationId xmlns:a16="http://schemas.microsoft.com/office/drawing/2014/main" id="{2A23AE38-34FC-1AAD-89B2-CFB88D1CF822}"/>
               </a:ext>
             </a:extLst>
           </p:cNvPr>
@@ -580,7 +580,7 @@
           <p:cNvPr id="3" name="竖排文字占位符 2">
             <a:extLst>
               <a:ext uri="{FF2B5EF4-FFF2-40B4-BE49-F238E27FC236}">
-                <a16:creationId xmlns:a16="http://schemas.microsoft.com/office/drawing/2014/main" id="{76FDD587-4D7B-723D-087A-754205B0FA4E}"/>
+                <a16:creationId xmlns:a16="http://schemas.microsoft.com/office/drawing/2014/main" id="{02D4E380-59EB-9683-AB37-13B13FD0FE34}"/>
               </a:ext>
             </a:extLst>
           </p:cNvPr>
@@ -642,7 +642,7 @@
           <p:cNvPr id="4" name="日期占位符 3">
             <a:extLst>
               <a:ext uri="{FF2B5EF4-FFF2-40B4-BE49-F238E27FC236}">
-                <a16:creationId xmlns:a16="http://schemas.microsoft.com/office/drawing/2014/main" id="{AAB239FB-DE13-9361-19C7-681A9623F12F}"/>
+                <a16:creationId xmlns:a16="http://schemas.microsoft.com/office/drawing/2014/main" id="{A836856A-78FF-3F8B-27A9-F86131CD3218}"/>
               </a:ext>
             </a:extLst>
           </p:cNvPr>
@@ -658,7 +658,7 @@
           <a:bodyPr/>
           <a:lstStyle/>
           <a:p>
-            <a:fld id="{A6C803BF-3F3F-442F-A397-4845155696B2}" type="datetimeFigureOut">
+            <a:fld id="{D1152A31-9250-476C-B588-8D6380E8E29D}" type="datetimeFigureOut">
               <a:rPr lang="zh-CN" altLang="en-US" smtClean="0"/>
               <a:t>2024/3/10</a:t>
             </a:fld>
@@ -671,7 +671,7 @@
           <p:cNvPr id="5" name="页脚占位符 4">
             <a:extLst>
               <a:ext uri="{FF2B5EF4-FFF2-40B4-BE49-F238E27FC236}">
-                <a16:creationId xmlns:a16="http://schemas.microsoft.com/office/drawing/2014/main" id="{51E0B129-B196-03C8-460A-561AACCE92FD}"/>
+                <a16:creationId xmlns:a16="http://schemas.microsoft.com/office/drawing/2014/main" id="{8720FEA6-E01F-3646-AE51-E0A4F5BADB96}"/>
               </a:ext>
             </a:extLst>
           </p:cNvPr>
@@ -696,7 +696,7 @@
           <p:cNvPr id="6" name="灯片编号占位符 5">
             <a:extLst>
               <a:ext uri="{FF2B5EF4-FFF2-40B4-BE49-F238E27FC236}">
-                <a16:creationId xmlns:a16="http://schemas.microsoft.com/office/drawing/2014/main" id="{AAE71503-3137-86F4-B752-F7A9FDD9DA2D}"/>
+                <a16:creationId xmlns:a16="http://schemas.microsoft.com/office/drawing/2014/main" id="{04147397-481D-1553-6E1D-20975D23D872}"/>
               </a:ext>
             </a:extLst>
           </p:cNvPr>
@@ -712,7 +712,7 @@
           <a:bodyPr/>
           <a:lstStyle/>
           <a:p>
-            <a:fld id="{1123E4E8-26FA-479C-913C-ED55A540B23B}" type="slidenum">
+            <a:fld id="{20D57A04-55AA-454D-B4EA-6E452F192E81}" type="slidenum">
               <a:rPr lang="zh-CN" altLang="en-US" smtClean="0"/>
               <a:t>‹#›</a:t>
             </a:fld>
@@ -723,7 +723,7 @@
     </p:spTree>
     <p:extLst>
       <p:ext uri="{BB962C8B-B14F-4D97-AF65-F5344CB8AC3E}">
-        <p14:creationId xmlns:p14="http://schemas.microsoft.com/office/powerpoint/2010/main" val="3307477973"/>
+        <p14:creationId xmlns:p14="http://schemas.microsoft.com/office/powerpoint/2010/main" val="4164350009"/>
       </p:ext>
     </p:extLst>
   </p:cSld>
@@ -755,7 +755,7 @@
           <p:cNvPr id="2" name="标题 1">
             <a:extLst>
               <a:ext uri="{FF2B5EF4-FFF2-40B4-BE49-F238E27FC236}">
-                <a16:creationId xmlns:a16="http://schemas.microsoft.com/office/drawing/2014/main" id="{B4B8D89E-5C37-06F8-5C92-1A82E5B5F950}"/>
+                <a16:creationId xmlns:a16="http://schemas.microsoft.com/office/drawing/2014/main" id="{7E14DB67-B0FF-E97E-B89D-522B69894F99}"/>
               </a:ext>
             </a:extLst>
           </p:cNvPr>
@@ -783,7 +783,7 @@
           <p:cNvPr id="3" name="内容占位符 2">
             <a:extLst>
               <a:ext uri="{FF2B5EF4-FFF2-40B4-BE49-F238E27FC236}">
-                <a16:creationId xmlns:a16="http://schemas.microsoft.com/office/drawing/2014/main" id="{7A3DD5BC-1457-9124-C282-443FF10C069D}"/>
+                <a16:creationId xmlns:a16="http://schemas.microsoft.com/office/drawing/2014/main" id="{E4E561E2-028A-4D02-03BC-8911D6BFE740}"/>
               </a:ext>
             </a:extLst>
           </p:cNvPr>
@@ -840,7 +840,7 @@
           <p:cNvPr id="4" name="日期占位符 3">
             <a:extLst>
               <a:ext uri="{FF2B5EF4-FFF2-40B4-BE49-F238E27FC236}">
-                <a16:creationId xmlns:a16="http://schemas.microsoft.com/office/drawing/2014/main" id="{5FF0CBAF-9C4D-457A-A13D-7060DE78EE1E}"/>
+                <a16:creationId xmlns:a16="http://schemas.microsoft.com/office/drawing/2014/main" id="{01D8D9CA-0A37-730C-6AFF-200706384892}"/>
               </a:ext>
             </a:extLst>
           </p:cNvPr>
@@ -856,7 +856,7 @@
           <a:bodyPr/>
           <a:lstStyle/>
           <a:p>
-            <a:fld id="{A6C803BF-3F3F-442F-A397-4845155696B2}" type="datetimeFigureOut">
+            <a:fld id="{D1152A31-9250-476C-B588-8D6380E8E29D}" type="datetimeFigureOut">
               <a:rPr lang="zh-CN" altLang="en-US" smtClean="0"/>
               <a:t>2024/3/10</a:t>
             </a:fld>
@@ -869,7 +869,7 @@
           <p:cNvPr id="5" name="页脚占位符 4">
             <a:extLst>
               <a:ext uri="{FF2B5EF4-FFF2-40B4-BE49-F238E27FC236}">
-                <a16:creationId xmlns:a16="http://schemas.microsoft.com/office/drawing/2014/main" id="{4C4ED335-183D-F7ED-7C0D-2C6B96ADB59B}"/>
+                <a16:creationId xmlns:a16="http://schemas.microsoft.com/office/drawing/2014/main" id="{EDB5D484-A828-5C71-2B69-2416B173E015}"/>
               </a:ext>
             </a:extLst>
           </p:cNvPr>
@@ -894,7 +894,7 @@
           <p:cNvPr id="6" name="灯片编号占位符 5">
             <a:extLst>
               <a:ext uri="{FF2B5EF4-FFF2-40B4-BE49-F238E27FC236}">
-                <a16:creationId xmlns:a16="http://schemas.microsoft.com/office/drawing/2014/main" id="{CCF25FEA-B802-9FC1-582F-CBCAEE41E62D}"/>
+                <a16:creationId xmlns:a16="http://schemas.microsoft.com/office/drawing/2014/main" id="{729E42A9-A43B-AB68-3280-7E5CEED4A1BC}"/>
               </a:ext>
             </a:extLst>
           </p:cNvPr>
@@ -910,7 +910,7 @@
           <a:bodyPr/>
           <a:lstStyle/>
           <a:p>
-            <a:fld id="{1123E4E8-26FA-479C-913C-ED55A540B23B}" type="slidenum">
+            <a:fld id="{20D57A04-55AA-454D-B4EA-6E452F192E81}" type="slidenum">
               <a:rPr lang="zh-CN" altLang="en-US" smtClean="0"/>
               <a:t>‹#›</a:t>
             </a:fld>
@@ -921,7 +921,7 @@
     </p:spTree>
     <p:extLst>
       <p:ext uri="{BB962C8B-B14F-4D97-AF65-F5344CB8AC3E}">
-        <p14:creationId xmlns:p14="http://schemas.microsoft.com/office/powerpoint/2010/main" val="411483130"/>
+        <p14:creationId xmlns:p14="http://schemas.microsoft.com/office/powerpoint/2010/main" val="1851261945"/>
       </p:ext>
     </p:extLst>
   </p:cSld>
@@ -953,7 +953,7 @@
           <p:cNvPr id="2" name="标题 1">
             <a:extLst>
               <a:ext uri="{FF2B5EF4-FFF2-40B4-BE49-F238E27FC236}">
-                <a16:creationId xmlns:a16="http://schemas.microsoft.com/office/drawing/2014/main" id="{FCE52CFC-9C94-6B77-0EB2-ED7F1A61DD90}"/>
+                <a16:creationId xmlns:a16="http://schemas.microsoft.com/office/drawing/2014/main" id="{0060E3D2-0208-1597-5F76-2222BF385C3B}"/>
               </a:ext>
             </a:extLst>
           </p:cNvPr>
@@ -990,7 +990,7 @@
           <p:cNvPr id="3" name="文本占位符 2">
             <a:extLst>
               <a:ext uri="{FF2B5EF4-FFF2-40B4-BE49-F238E27FC236}">
-                <a16:creationId xmlns:a16="http://schemas.microsoft.com/office/drawing/2014/main" id="{6F02672D-CB5E-F58A-0D7D-ED23C406ECBC}"/>
+                <a16:creationId xmlns:a16="http://schemas.microsoft.com/office/drawing/2014/main" id="{67A7BD4C-9073-B002-C0E2-BB66528ECA17}"/>
               </a:ext>
             </a:extLst>
           </p:cNvPr>
@@ -1115,7 +1115,7 @@
           <p:cNvPr id="4" name="日期占位符 3">
             <a:extLst>
               <a:ext uri="{FF2B5EF4-FFF2-40B4-BE49-F238E27FC236}">
-                <a16:creationId xmlns:a16="http://schemas.microsoft.com/office/drawing/2014/main" id="{D64521AE-2513-CD9F-E97B-7D3CE978ADB8}"/>
+                <a16:creationId xmlns:a16="http://schemas.microsoft.com/office/drawing/2014/main" id="{6B188098-6E8C-25D2-C187-CD5B40504702}"/>
               </a:ext>
             </a:extLst>
           </p:cNvPr>
@@ -1131,7 +1131,7 @@
           <a:bodyPr/>
           <a:lstStyle/>
           <a:p>
-            <a:fld id="{A6C803BF-3F3F-442F-A397-4845155696B2}" type="datetimeFigureOut">
+            <a:fld id="{D1152A31-9250-476C-B588-8D6380E8E29D}" type="datetimeFigureOut">
               <a:rPr lang="zh-CN" altLang="en-US" smtClean="0"/>
               <a:t>2024/3/10</a:t>
             </a:fld>
@@ -1144,7 +1144,7 @@
           <p:cNvPr id="5" name="页脚占位符 4">
             <a:extLst>
               <a:ext uri="{FF2B5EF4-FFF2-40B4-BE49-F238E27FC236}">
-                <a16:creationId xmlns:a16="http://schemas.microsoft.com/office/drawing/2014/main" id="{E04744B5-9196-8F84-28F3-625C187405DC}"/>
+                <a16:creationId xmlns:a16="http://schemas.microsoft.com/office/drawing/2014/main" id="{6FBF5EBD-740D-3448-0852-E89B8D47A60B}"/>
               </a:ext>
             </a:extLst>
           </p:cNvPr>
@@ -1169,7 +1169,7 @@
           <p:cNvPr id="6" name="灯片编号占位符 5">
             <a:extLst>
               <a:ext uri="{FF2B5EF4-FFF2-40B4-BE49-F238E27FC236}">
-                <a16:creationId xmlns:a16="http://schemas.microsoft.com/office/drawing/2014/main" id="{F2781180-C201-2301-D49F-8EE5839520AD}"/>
+                <a16:creationId xmlns:a16="http://schemas.microsoft.com/office/drawing/2014/main" id="{1C685F8A-DDE0-6E92-D88C-46C1D211D5EF}"/>
               </a:ext>
             </a:extLst>
           </p:cNvPr>
@@ -1185,7 +1185,7 @@
           <a:bodyPr/>
           <a:lstStyle/>
           <a:p>
-            <a:fld id="{1123E4E8-26FA-479C-913C-ED55A540B23B}" type="slidenum">
+            <a:fld id="{20D57A04-55AA-454D-B4EA-6E452F192E81}" type="slidenum">
               <a:rPr lang="zh-CN" altLang="en-US" smtClean="0"/>
               <a:t>‹#›</a:t>
             </a:fld>
@@ -1196,7 +1196,7 @@
     </p:spTree>
     <p:extLst>
       <p:ext uri="{BB962C8B-B14F-4D97-AF65-F5344CB8AC3E}">
-        <p14:creationId xmlns:p14="http://schemas.microsoft.com/office/powerpoint/2010/main" val="657701823"/>
+        <p14:creationId xmlns:p14="http://schemas.microsoft.com/office/powerpoint/2010/main" val="3711572298"/>
       </p:ext>
     </p:extLst>
   </p:cSld>
@@ -1228,7 +1228,7 @@
           <p:cNvPr id="2" name="标题 1">
             <a:extLst>
               <a:ext uri="{FF2B5EF4-FFF2-40B4-BE49-F238E27FC236}">
-                <a16:creationId xmlns:a16="http://schemas.microsoft.com/office/drawing/2014/main" id="{035C531C-ED79-3B9E-C52E-CB80F82C1005}"/>
+                <a16:creationId xmlns:a16="http://schemas.microsoft.com/office/drawing/2014/main" id="{6EA66DED-8731-F6F3-ACE9-B8650745E6B3}"/>
               </a:ext>
             </a:extLst>
           </p:cNvPr>
@@ -1256,7 +1256,7 @@
           <p:cNvPr id="3" name="内容占位符 2">
             <a:extLst>
               <a:ext uri="{FF2B5EF4-FFF2-40B4-BE49-F238E27FC236}">
-                <a16:creationId xmlns:a16="http://schemas.microsoft.com/office/drawing/2014/main" id="{B8B06B35-A7B8-3235-891D-ACC086AC91CE}"/>
+                <a16:creationId xmlns:a16="http://schemas.microsoft.com/office/drawing/2014/main" id="{A90C86BF-0898-F957-BFE0-7140D2439486}"/>
               </a:ext>
             </a:extLst>
           </p:cNvPr>
@@ -1318,7 +1318,7 @@
           <p:cNvPr id="4" name="内容占位符 3">
             <a:extLst>
               <a:ext uri="{FF2B5EF4-FFF2-40B4-BE49-F238E27FC236}">
-                <a16:creationId xmlns:a16="http://schemas.microsoft.com/office/drawing/2014/main" id="{F95C9106-BC81-85CB-3BFF-C3A90F073710}"/>
+                <a16:creationId xmlns:a16="http://schemas.microsoft.com/office/drawing/2014/main" id="{4B9C0C3D-7731-AF4B-E418-2BDBA66A038F}"/>
               </a:ext>
             </a:extLst>
           </p:cNvPr>
@@ -1380,7 +1380,7 @@
           <p:cNvPr id="5" name="日期占位符 4">
             <a:extLst>
               <a:ext uri="{FF2B5EF4-FFF2-40B4-BE49-F238E27FC236}">
-                <a16:creationId xmlns:a16="http://schemas.microsoft.com/office/drawing/2014/main" id="{146E839E-9862-AEC4-118A-C1425D854D93}"/>
+                <a16:creationId xmlns:a16="http://schemas.microsoft.com/office/drawing/2014/main" id="{8DE5FDFB-E68F-D3DB-FC1E-0F1727374FC6}"/>
               </a:ext>
             </a:extLst>
           </p:cNvPr>
@@ -1396,7 +1396,7 @@
           <a:bodyPr/>
           <a:lstStyle/>
           <a:p>
-            <a:fld id="{A6C803BF-3F3F-442F-A397-4845155696B2}" type="datetimeFigureOut">
+            <a:fld id="{D1152A31-9250-476C-B588-8D6380E8E29D}" type="datetimeFigureOut">
               <a:rPr lang="zh-CN" altLang="en-US" smtClean="0"/>
               <a:t>2024/3/10</a:t>
             </a:fld>
@@ -1409,7 +1409,7 @@
           <p:cNvPr id="6" name="页脚占位符 5">
             <a:extLst>
               <a:ext uri="{FF2B5EF4-FFF2-40B4-BE49-F238E27FC236}">
-                <a16:creationId xmlns:a16="http://schemas.microsoft.com/office/drawing/2014/main" id="{97CC5A7F-FFAA-21A2-EC7A-92EE8F78A609}"/>
+                <a16:creationId xmlns:a16="http://schemas.microsoft.com/office/drawing/2014/main" id="{4583336F-B448-76BD-EF3A-A6A138F330D9}"/>
               </a:ext>
             </a:extLst>
           </p:cNvPr>
@@ -1434,7 +1434,7 @@
           <p:cNvPr id="7" name="灯片编号占位符 6">
             <a:extLst>
               <a:ext uri="{FF2B5EF4-FFF2-40B4-BE49-F238E27FC236}">
-                <a16:creationId xmlns:a16="http://schemas.microsoft.com/office/drawing/2014/main" id="{E2CDB6D7-3F33-96E0-185A-EA2D5AB46B6A}"/>
+                <a16:creationId xmlns:a16="http://schemas.microsoft.com/office/drawing/2014/main" id="{747CA789-7917-6EF7-5A24-36E5BC53A914}"/>
               </a:ext>
             </a:extLst>
           </p:cNvPr>
@@ -1450,7 +1450,7 @@
           <a:bodyPr/>
           <a:lstStyle/>
           <a:p>
-            <a:fld id="{1123E4E8-26FA-479C-913C-ED55A540B23B}" type="slidenum">
+            <a:fld id="{20D57A04-55AA-454D-B4EA-6E452F192E81}" type="slidenum">
               <a:rPr lang="zh-CN" altLang="en-US" smtClean="0"/>
               <a:t>‹#›</a:t>
             </a:fld>
@@ -1461,7 +1461,7 @@
     </p:spTree>
     <p:extLst>
       <p:ext uri="{BB962C8B-B14F-4D97-AF65-F5344CB8AC3E}">
-        <p14:creationId xmlns:p14="http://schemas.microsoft.com/office/powerpoint/2010/main" val="2209331424"/>
+        <p14:creationId xmlns:p14="http://schemas.microsoft.com/office/powerpoint/2010/main" val="1935263782"/>
       </p:ext>
     </p:extLst>
   </p:cSld>
@@ -1493,7 +1493,7 @@
           <p:cNvPr id="2" name="标题 1">
             <a:extLst>
               <a:ext uri="{FF2B5EF4-FFF2-40B4-BE49-F238E27FC236}">
-                <a16:creationId xmlns:a16="http://schemas.microsoft.com/office/drawing/2014/main" id="{64410E2B-3AAD-50E9-291F-5857E3AE4925}"/>
+                <a16:creationId xmlns:a16="http://schemas.microsoft.com/office/drawing/2014/main" id="{234CED0F-552D-50E3-8B1C-E566BF582149}"/>
               </a:ext>
             </a:extLst>
           </p:cNvPr>
@@ -1526,7 +1526,7 @@
           <p:cNvPr id="3" name="文本占位符 2">
             <a:extLst>
               <a:ext uri="{FF2B5EF4-FFF2-40B4-BE49-F238E27FC236}">
-                <a16:creationId xmlns:a16="http://schemas.microsoft.com/office/drawing/2014/main" id="{CA663D6E-D3B0-7A48-AD3B-D18E19DBAC8A}"/>
+                <a16:creationId xmlns:a16="http://schemas.microsoft.com/office/drawing/2014/main" id="{DCF63463-B866-BB7D-8EB4-EABFF1223E88}"/>
               </a:ext>
             </a:extLst>
           </p:cNvPr>
@@ -1597,7 +1597,7 @@
           <p:cNvPr id="4" name="内容占位符 3">
             <a:extLst>
               <a:ext uri="{FF2B5EF4-FFF2-40B4-BE49-F238E27FC236}">
-                <a16:creationId xmlns:a16="http://schemas.microsoft.com/office/drawing/2014/main" id="{F35239E3-B156-A1BC-3173-824DBBD7C76C}"/>
+                <a16:creationId xmlns:a16="http://schemas.microsoft.com/office/drawing/2014/main" id="{7F348CAE-2A4C-4DEC-C582-AE4D1740018A}"/>
               </a:ext>
             </a:extLst>
           </p:cNvPr>
@@ -1659,7 +1659,7 @@
           <p:cNvPr id="5" name="文本占位符 4">
             <a:extLst>
               <a:ext uri="{FF2B5EF4-FFF2-40B4-BE49-F238E27FC236}">
-                <a16:creationId xmlns:a16="http://schemas.microsoft.com/office/drawing/2014/main" id="{D7710C5A-E090-A944-8531-FCD268F81651}"/>
+                <a16:creationId xmlns:a16="http://schemas.microsoft.com/office/drawing/2014/main" id="{2D058B4C-663C-C6DC-7D67-391B11E07685}"/>
               </a:ext>
             </a:extLst>
           </p:cNvPr>
@@ -1730,7 +1730,7 @@
           <p:cNvPr id="6" name="内容占位符 5">
             <a:extLst>
               <a:ext uri="{FF2B5EF4-FFF2-40B4-BE49-F238E27FC236}">
-                <a16:creationId xmlns:a16="http://schemas.microsoft.com/office/drawing/2014/main" id="{FF545EDC-8282-2B8D-06A0-AB62A80CB72D}"/>
+                <a16:creationId xmlns:a16="http://schemas.microsoft.com/office/drawing/2014/main" id="{F563183F-D0B9-A30A-0FC0-5B5E7BE21A55}"/>
               </a:ext>
             </a:extLst>
           </p:cNvPr>
@@ -1792,7 +1792,7 @@
           <p:cNvPr id="7" name="日期占位符 6">
             <a:extLst>
               <a:ext uri="{FF2B5EF4-FFF2-40B4-BE49-F238E27FC236}">
-                <a16:creationId xmlns:a16="http://schemas.microsoft.com/office/drawing/2014/main" id="{C6B3FBC7-8802-922A-EDE8-D6B752BF8B0A}"/>
+                <a16:creationId xmlns:a16="http://schemas.microsoft.com/office/drawing/2014/main" id="{1AECF071-4FED-2708-A44B-9299A5535B8F}"/>
               </a:ext>
             </a:extLst>
           </p:cNvPr>
@@ -1808,7 +1808,7 @@
           <a:bodyPr/>
           <a:lstStyle/>
           <a:p>
-            <a:fld id="{A6C803BF-3F3F-442F-A397-4845155696B2}" type="datetimeFigureOut">
+            <a:fld id="{D1152A31-9250-476C-B588-8D6380E8E29D}" type="datetimeFigureOut">
               <a:rPr lang="zh-CN" altLang="en-US" smtClean="0"/>
               <a:t>2024/3/10</a:t>
             </a:fld>
@@ -1821,7 +1821,7 @@
           <p:cNvPr id="8" name="页脚占位符 7">
             <a:extLst>
               <a:ext uri="{FF2B5EF4-FFF2-40B4-BE49-F238E27FC236}">
-                <a16:creationId xmlns:a16="http://schemas.microsoft.com/office/drawing/2014/main" id="{3CA84294-62F8-2777-3089-ECA815E0AF2E}"/>
+                <a16:creationId xmlns:a16="http://schemas.microsoft.com/office/drawing/2014/main" id="{143CB946-BC12-FE67-0994-E3CC04EC9724}"/>
               </a:ext>
             </a:extLst>
           </p:cNvPr>
@@ -1846,7 +1846,7 @@
           <p:cNvPr id="9" name="灯片编号占位符 8">
             <a:extLst>
               <a:ext uri="{FF2B5EF4-FFF2-40B4-BE49-F238E27FC236}">
-                <a16:creationId xmlns:a16="http://schemas.microsoft.com/office/drawing/2014/main" id="{E6F70002-977D-5AD5-A248-48EC639F9DF4}"/>
+                <a16:creationId xmlns:a16="http://schemas.microsoft.com/office/drawing/2014/main" id="{67463DAD-17FF-5A0E-3B57-35B39858BE68}"/>
               </a:ext>
             </a:extLst>
           </p:cNvPr>
@@ -1862,7 +1862,7 @@
           <a:bodyPr/>
           <a:lstStyle/>
           <a:p>
-            <a:fld id="{1123E4E8-26FA-479C-913C-ED55A540B23B}" type="slidenum">
+            <a:fld id="{20D57A04-55AA-454D-B4EA-6E452F192E81}" type="slidenum">
               <a:rPr lang="zh-CN" altLang="en-US" smtClean="0"/>
               <a:t>‹#›</a:t>
             </a:fld>
@@ -1873,7 +1873,7 @@
     </p:spTree>
     <p:extLst>
       <p:ext uri="{BB962C8B-B14F-4D97-AF65-F5344CB8AC3E}">
-        <p14:creationId xmlns:p14="http://schemas.microsoft.com/office/powerpoint/2010/main" val="1972981292"/>
+        <p14:creationId xmlns:p14="http://schemas.microsoft.com/office/powerpoint/2010/main" val="659355889"/>
       </p:ext>
     </p:extLst>
   </p:cSld>
@@ -1905,7 +1905,7 @@
           <p:cNvPr id="2" name="标题 1">
             <a:extLst>
               <a:ext uri="{FF2B5EF4-FFF2-40B4-BE49-F238E27FC236}">
-                <a16:creationId xmlns:a16="http://schemas.microsoft.com/office/drawing/2014/main" id="{78BA7C30-12E7-D841-05E8-8C8618476FFC}"/>
+                <a16:creationId xmlns:a16="http://schemas.microsoft.com/office/drawing/2014/main" id="{A047085C-D830-2476-6B84-F57DA4D20135}"/>
               </a:ext>
             </a:extLst>
           </p:cNvPr>
@@ -1933,7 +1933,7 @@
           <p:cNvPr id="3" name="日期占位符 2">
             <a:extLst>
               <a:ext uri="{FF2B5EF4-FFF2-40B4-BE49-F238E27FC236}">
-                <a16:creationId xmlns:a16="http://schemas.microsoft.com/office/drawing/2014/main" id="{E1720F38-9354-4A69-3C19-653B4737A81A}"/>
+                <a16:creationId xmlns:a16="http://schemas.microsoft.com/office/drawing/2014/main" id="{55F658A4-EB79-4688-8E83-515E9728ADC3}"/>
               </a:ext>
             </a:extLst>
           </p:cNvPr>
@@ -1949,7 +1949,7 @@
           <a:bodyPr/>
           <a:lstStyle/>
           <a:p>
-            <a:fld id="{A6C803BF-3F3F-442F-A397-4845155696B2}" type="datetimeFigureOut">
+            <a:fld id="{D1152A31-9250-476C-B588-8D6380E8E29D}" type="datetimeFigureOut">
               <a:rPr lang="zh-CN" altLang="en-US" smtClean="0"/>
               <a:t>2024/3/10</a:t>
             </a:fld>
@@ -1962,7 +1962,7 @@
           <p:cNvPr id="4" name="页脚占位符 3">
             <a:extLst>
               <a:ext uri="{FF2B5EF4-FFF2-40B4-BE49-F238E27FC236}">
-                <a16:creationId xmlns:a16="http://schemas.microsoft.com/office/drawing/2014/main" id="{4BF91C5B-F70C-37CF-52B3-53B94B2E2708}"/>
+                <a16:creationId xmlns:a16="http://schemas.microsoft.com/office/drawing/2014/main" id="{A8C75CA2-3A31-8B13-837F-46FC978FBADF}"/>
               </a:ext>
             </a:extLst>
           </p:cNvPr>
@@ -1987,7 +1987,7 @@
           <p:cNvPr id="5" name="灯片编号占位符 4">
             <a:extLst>
               <a:ext uri="{FF2B5EF4-FFF2-40B4-BE49-F238E27FC236}">
-                <a16:creationId xmlns:a16="http://schemas.microsoft.com/office/drawing/2014/main" id="{261119E3-F419-09B8-4EFB-02EA84A2F6FD}"/>
+                <a16:creationId xmlns:a16="http://schemas.microsoft.com/office/drawing/2014/main" id="{F5C1A41D-9215-14F4-FB30-6A597B060EAA}"/>
               </a:ext>
             </a:extLst>
           </p:cNvPr>
@@ -2003,7 +2003,7 @@
           <a:bodyPr/>
           <a:lstStyle/>
           <a:p>
-            <a:fld id="{1123E4E8-26FA-479C-913C-ED55A540B23B}" type="slidenum">
+            <a:fld id="{20D57A04-55AA-454D-B4EA-6E452F192E81}" type="slidenum">
               <a:rPr lang="zh-CN" altLang="en-US" smtClean="0"/>
               <a:t>‹#›</a:t>
             </a:fld>
@@ -2014,7 +2014,7 @@
     </p:spTree>
     <p:extLst>
       <p:ext uri="{BB962C8B-B14F-4D97-AF65-F5344CB8AC3E}">
-        <p14:creationId xmlns:p14="http://schemas.microsoft.com/office/powerpoint/2010/main" val="2775229682"/>
+        <p14:creationId xmlns:p14="http://schemas.microsoft.com/office/powerpoint/2010/main" val="87941073"/>
       </p:ext>
     </p:extLst>
   </p:cSld>
@@ -2046,7 +2046,7 @@
           <p:cNvPr id="2" name="日期占位符 1">
             <a:extLst>
               <a:ext uri="{FF2B5EF4-FFF2-40B4-BE49-F238E27FC236}">
-                <a16:creationId xmlns:a16="http://schemas.microsoft.com/office/drawing/2014/main" id="{390D8330-7E13-0AD5-B97A-1475C378080E}"/>
+                <a16:creationId xmlns:a16="http://schemas.microsoft.com/office/drawing/2014/main" id="{A84FDF1F-3E87-BD6D-51C7-44B2C79E3859}"/>
               </a:ext>
             </a:extLst>
           </p:cNvPr>
@@ -2062,7 +2062,7 @@
           <a:bodyPr/>
           <a:lstStyle/>
           <a:p>
-            <a:fld id="{A6C803BF-3F3F-442F-A397-4845155696B2}" type="datetimeFigureOut">
+            <a:fld id="{D1152A31-9250-476C-B588-8D6380E8E29D}" type="datetimeFigureOut">
               <a:rPr lang="zh-CN" altLang="en-US" smtClean="0"/>
               <a:t>2024/3/10</a:t>
             </a:fld>
@@ -2075,7 +2075,7 @@
           <p:cNvPr id="3" name="页脚占位符 2">
             <a:extLst>
               <a:ext uri="{FF2B5EF4-FFF2-40B4-BE49-F238E27FC236}">
-                <a16:creationId xmlns:a16="http://schemas.microsoft.com/office/drawing/2014/main" id="{7816C382-2126-A885-A7E8-A8107B7F5A24}"/>
+                <a16:creationId xmlns:a16="http://schemas.microsoft.com/office/drawing/2014/main" id="{69627EEC-AF8C-7089-82B3-24335325B42D}"/>
               </a:ext>
             </a:extLst>
           </p:cNvPr>
@@ -2100,7 +2100,7 @@
           <p:cNvPr id="4" name="灯片编号占位符 3">
             <a:extLst>
               <a:ext uri="{FF2B5EF4-FFF2-40B4-BE49-F238E27FC236}">
-                <a16:creationId xmlns:a16="http://schemas.microsoft.com/office/drawing/2014/main" id="{6780D7B6-5904-D6B9-5FC4-8FA965318B01}"/>
+                <a16:creationId xmlns:a16="http://schemas.microsoft.com/office/drawing/2014/main" id="{85906E2D-AC78-12B2-20B4-246E68EB1209}"/>
               </a:ext>
             </a:extLst>
           </p:cNvPr>
@@ -2116,7 +2116,7 @@
           <a:bodyPr/>
           <a:lstStyle/>
           <a:p>
-            <a:fld id="{1123E4E8-26FA-479C-913C-ED55A540B23B}" type="slidenum">
+            <a:fld id="{20D57A04-55AA-454D-B4EA-6E452F192E81}" type="slidenum">
               <a:rPr lang="zh-CN" altLang="en-US" smtClean="0"/>
               <a:t>‹#›</a:t>
             </a:fld>
@@ -2127,7 +2127,7 @@
     </p:spTree>
     <p:extLst>
       <p:ext uri="{BB962C8B-B14F-4D97-AF65-F5344CB8AC3E}">
-        <p14:creationId xmlns:p14="http://schemas.microsoft.com/office/powerpoint/2010/main" val="3787676752"/>
+        <p14:creationId xmlns:p14="http://schemas.microsoft.com/office/powerpoint/2010/main" val="2731657870"/>
       </p:ext>
     </p:extLst>
   </p:cSld>
@@ -2159,7 +2159,7 @@
           <p:cNvPr id="2" name="标题 1">
             <a:extLst>
               <a:ext uri="{FF2B5EF4-FFF2-40B4-BE49-F238E27FC236}">
-                <a16:creationId xmlns:a16="http://schemas.microsoft.com/office/drawing/2014/main" id="{6C0D4BA6-91A4-8F09-3E71-F70E1816B6C7}"/>
+                <a16:creationId xmlns:a16="http://schemas.microsoft.com/office/drawing/2014/main" id="{A59EE570-557A-9F09-9F26-3797C42F7083}"/>
               </a:ext>
             </a:extLst>
           </p:cNvPr>
@@ -2196,7 +2196,7 @@
           <p:cNvPr id="3" name="内容占位符 2">
             <a:extLst>
               <a:ext uri="{FF2B5EF4-FFF2-40B4-BE49-F238E27FC236}">
-                <a16:creationId xmlns:a16="http://schemas.microsoft.com/office/drawing/2014/main" id="{CB2E7FF4-4B0F-085D-ECC3-8B6DFFC2487E}"/>
+                <a16:creationId xmlns:a16="http://schemas.microsoft.com/office/drawing/2014/main" id="{9BEF8556-DCE9-0255-8785-E66E321ECACC}"/>
               </a:ext>
             </a:extLst>
           </p:cNvPr>
@@ -2286,7 +2286,7 @@
           <p:cNvPr id="4" name="文本占位符 3">
             <a:extLst>
               <a:ext uri="{FF2B5EF4-FFF2-40B4-BE49-F238E27FC236}">
-                <a16:creationId xmlns:a16="http://schemas.microsoft.com/office/drawing/2014/main" id="{A174D80C-AD6A-04E0-A5D0-C333C8C63097}"/>
+                <a16:creationId xmlns:a16="http://schemas.microsoft.com/office/drawing/2014/main" id="{85130C99-603C-371D-FC84-318EDBA18582}"/>
               </a:ext>
             </a:extLst>
           </p:cNvPr>
@@ -2357,7 +2357,7 @@
           <p:cNvPr id="5" name="日期占位符 4">
             <a:extLst>
               <a:ext uri="{FF2B5EF4-FFF2-40B4-BE49-F238E27FC236}">
-                <a16:creationId xmlns:a16="http://schemas.microsoft.com/office/drawing/2014/main" id="{0996EDBF-C56C-CD34-F6C3-9694AFF6D07A}"/>
+                <a16:creationId xmlns:a16="http://schemas.microsoft.com/office/drawing/2014/main" id="{6FC9E794-468F-62BD-AE71-8D0D5E372A53}"/>
               </a:ext>
             </a:extLst>
           </p:cNvPr>
@@ -2373,7 +2373,7 @@
           <a:bodyPr/>
           <a:lstStyle/>
           <a:p>
-            <a:fld id="{A6C803BF-3F3F-442F-A397-4845155696B2}" type="datetimeFigureOut">
+            <a:fld id="{D1152A31-9250-476C-B588-8D6380E8E29D}" type="datetimeFigureOut">
               <a:rPr lang="zh-CN" altLang="en-US" smtClean="0"/>
               <a:t>2024/3/10</a:t>
             </a:fld>
@@ -2386,7 +2386,7 @@
           <p:cNvPr id="6" name="页脚占位符 5">
             <a:extLst>
               <a:ext uri="{FF2B5EF4-FFF2-40B4-BE49-F238E27FC236}">
-                <a16:creationId xmlns:a16="http://schemas.microsoft.com/office/drawing/2014/main" id="{EA75B74A-D755-95BF-54A8-30C1390F4D92}"/>
+                <a16:creationId xmlns:a16="http://schemas.microsoft.com/office/drawing/2014/main" id="{6D488A2D-C447-DEEC-54CE-E929E7E2C1C9}"/>
               </a:ext>
             </a:extLst>
           </p:cNvPr>
@@ -2411,7 +2411,7 @@
           <p:cNvPr id="7" name="灯片编号占位符 6">
             <a:extLst>
               <a:ext uri="{FF2B5EF4-FFF2-40B4-BE49-F238E27FC236}">
-                <a16:creationId xmlns:a16="http://schemas.microsoft.com/office/drawing/2014/main" id="{E0D69F93-DA43-27B5-711D-003A9D12C39C}"/>
+                <a16:creationId xmlns:a16="http://schemas.microsoft.com/office/drawing/2014/main" id="{BE3B4D76-2809-3893-E69A-6F9669A6B7B6}"/>
               </a:ext>
             </a:extLst>
           </p:cNvPr>
@@ -2427,7 +2427,7 @@
           <a:bodyPr/>
           <a:lstStyle/>
           <a:p>
-            <a:fld id="{1123E4E8-26FA-479C-913C-ED55A540B23B}" type="slidenum">
+            <a:fld id="{20D57A04-55AA-454D-B4EA-6E452F192E81}" type="slidenum">
               <a:rPr lang="zh-CN" altLang="en-US" smtClean="0"/>
               <a:t>‹#›</a:t>
             </a:fld>
@@ -2438,7 +2438,7 @@
     </p:spTree>
     <p:extLst>
       <p:ext uri="{BB962C8B-B14F-4D97-AF65-F5344CB8AC3E}">
-        <p14:creationId xmlns:p14="http://schemas.microsoft.com/office/powerpoint/2010/main" val="93205860"/>
+        <p14:creationId xmlns:p14="http://schemas.microsoft.com/office/powerpoint/2010/main" val="298923846"/>
       </p:ext>
     </p:extLst>
   </p:cSld>
@@ -2470,7 +2470,7 @@
           <p:cNvPr id="2" name="标题 1">
             <a:extLst>
               <a:ext uri="{FF2B5EF4-FFF2-40B4-BE49-F238E27FC236}">
-                <a16:creationId xmlns:a16="http://schemas.microsoft.com/office/drawing/2014/main" id="{3A3AEE50-36C5-60B9-D56F-449520109BAE}"/>
+                <a16:creationId xmlns:a16="http://schemas.microsoft.com/office/drawing/2014/main" id="{783957B0-0393-FE45-07D8-4CFD9D2E4163}"/>
               </a:ext>
             </a:extLst>
           </p:cNvPr>
@@ -2507,7 +2507,7 @@
           <p:cNvPr id="3" name="图片占位符 2">
             <a:extLst>
               <a:ext uri="{FF2B5EF4-FFF2-40B4-BE49-F238E27FC236}">
-                <a16:creationId xmlns:a16="http://schemas.microsoft.com/office/drawing/2014/main" id="{768D1F84-E093-BDC6-D7CE-B0CFBE91318C}"/>
+                <a16:creationId xmlns:a16="http://schemas.microsoft.com/office/drawing/2014/main" id="{DC6C1E23-6709-AF97-0C41-5943B67B0024}"/>
               </a:ext>
             </a:extLst>
           </p:cNvPr>
@@ -2574,7 +2574,7 @@
           <p:cNvPr id="4" name="文本占位符 3">
             <a:extLst>
               <a:ext uri="{FF2B5EF4-FFF2-40B4-BE49-F238E27FC236}">
-                <a16:creationId xmlns:a16="http://schemas.microsoft.com/office/drawing/2014/main" id="{D50D0034-435B-2012-C01D-788DC3E2F39B}"/>
+                <a16:creationId xmlns:a16="http://schemas.microsoft.com/office/drawing/2014/main" id="{27B2A3A2-6FB8-6D4A-D914-D66397811025}"/>
               </a:ext>
             </a:extLst>
           </p:cNvPr>
@@ -2645,7 +2645,7 @@
           <p:cNvPr id="5" name="日期占位符 4">
             <a:extLst>
               <a:ext uri="{FF2B5EF4-FFF2-40B4-BE49-F238E27FC236}">
-                <a16:creationId xmlns:a16="http://schemas.microsoft.com/office/drawing/2014/main" id="{95B6F6D9-7267-18D7-CB2A-0C24D32C7623}"/>
+                <a16:creationId xmlns:a16="http://schemas.microsoft.com/office/drawing/2014/main" id="{D75B76DC-FB1A-BF32-EE64-1D5E594204F9}"/>
               </a:ext>
             </a:extLst>
           </p:cNvPr>
@@ -2661,7 +2661,7 @@
           <a:bodyPr/>
           <a:lstStyle/>
           <a:p>
-            <a:fld id="{A6C803BF-3F3F-442F-A397-4845155696B2}" type="datetimeFigureOut">
+            <a:fld id="{D1152A31-9250-476C-B588-8D6380E8E29D}" type="datetimeFigureOut">
               <a:rPr lang="zh-CN" altLang="en-US" smtClean="0"/>
               <a:t>2024/3/10</a:t>
             </a:fld>
@@ -2674,7 +2674,7 @@
           <p:cNvPr id="6" name="页脚占位符 5">
             <a:extLst>
               <a:ext uri="{FF2B5EF4-FFF2-40B4-BE49-F238E27FC236}">
-                <a16:creationId xmlns:a16="http://schemas.microsoft.com/office/drawing/2014/main" id="{02504974-54A1-B920-381B-80CDA435376F}"/>
+                <a16:creationId xmlns:a16="http://schemas.microsoft.com/office/drawing/2014/main" id="{F97D4617-1CFC-3CFA-0D9F-078ABFFDEE0D}"/>
               </a:ext>
             </a:extLst>
           </p:cNvPr>
@@ -2699,7 +2699,7 @@
           <p:cNvPr id="7" name="灯片编号占位符 6">
             <a:extLst>
               <a:ext uri="{FF2B5EF4-FFF2-40B4-BE49-F238E27FC236}">
-                <a16:creationId xmlns:a16="http://schemas.microsoft.com/office/drawing/2014/main" id="{AD692B73-DE2F-7EB4-33A1-5BD5058ADBB9}"/>
+                <a16:creationId xmlns:a16="http://schemas.microsoft.com/office/drawing/2014/main" id="{F3C3DEEF-80F7-5BA7-1B09-08C570AEA05A}"/>
               </a:ext>
             </a:extLst>
           </p:cNvPr>
@@ -2715,7 +2715,7 @@
           <a:bodyPr/>
           <a:lstStyle/>
           <a:p>
-            <a:fld id="{1123E4E8-26FA-479C-913C-ED55A540B23B}" type="slidenum">
+            <a:fld id="{20D57A04-55AA-454D-B4EA-6E452F192E81}" type="slidenum">
               <a:rPr lang="zh-CN" altLang="en-US" smtClean="0"/>
               <a:t>‹#›</a:t>
             </a:fld>
@@ -2726,7 +2726,7 @@
     </p:spTree>
     <p:extLst>
       <p:ext uri="{BB962C8B-B14F-4D97-AF65-F5344CB8AC3E}">
-        <p14:creationId xmlns:p14="http://schemas.microsoft.com/office/powerpoint/2010/main" val="2757510706"/>
+        <p14:creationId xmlns:p14="http://schemas.microsoft.com/office/powerpoint/2010/main" val="3946271314"/>
       </p:ext>
     </p:extLst>
   </p:cSld>
@@ -2763,7 +2763,7 @@
           <p:cNvPr id="2" name="标题占位符 1">
             <a:extLst>
               <a:ext uri="{FF2B5EF4-FFF2-40B4-BE49-F238E27FC236}">
-                <a16:creationId xmlns:a16="http://schemas.microsoft.com/office/drawing/2014/main" id="{D2BD1406-B95F-1959-4B4F-6E37BAF138B5}"/>
+                <a16:creationId xmlns:a16="http://schemas.microsoft.com/office/drawing/2014/main" id="{9443DE1E-691C-C4D9-19D8-C37711B0EC5A}"/>
               </a:ext>
             </a:extLst>
           </p:cNvPr>
@@ -2801,7 +2801,7 @@
           <p:cNvPr id="3" name="文本占位符 2">
             <a:extLst>
               <a:ext uri="{FF2B5EF4-FFF2-40B4-BE49-F238E27FC236}">
-                <a16:creationId xmlns:a16="http://schemas.microsoft.com/office/drawing/2014/main" id="{C594904F-D5DF-5DAF-D975-51ABE677BD03}"/>
+                <a16:creationId xmlns:a16="http://schemas.microsoft.com/office/drawing/2014/main" id="{47D423F4-07D8-692F-F0F8-67B7A19A73DF}"/>
               </a:ext>
             </a:extLst>
           </p:cNvPr>
@@ -2868,7 +2868,7 @@
           <p:cNvPr id="4" name="日期占位符 3">
             <a:extLst>
               <a:ext uri="{FF2B5EF4-FFF2-40B4-BE49-F238E27FC236}">
-                <a16:creationId xmlns:a16="http://schemas.microsoft.com/office/drawing/2014/main" id="{F8947205-939D-C989-A2E3-C4D5C6D0D8E6}"/>
+                <a16:creationId xmlns:a16="http://schemas.microsoft.com/office/drawing/2014/main" id="{D1420620-1963-7C1D-661D-4C090B93093C}"/>
               </a:ext>
             </a:extLst>
           </p:cNvPr>
@@ -2902,7 +2902,7 @@
             </a:lvl1pPr>
           </a:lstStyle>
           <a:p>
-            <a:fld id="{A6C803BF-3F3F-442F-A397-4845155696B2}" type="datetimeFigureOut">
+            <a:fld id="{D1152A31-9250-476C-B588-8D6380E8E29D}" type="datetimeFigureOut">
               <a:rPr lang="zh-CN" altLang="en-US" smtClean="0"/>
               <a:t>2024/3/10</a:t>
             </a:fld>
@@ -2915,7 +2915,7 @@
           <p:cNvPr id="5" name="页脚占位符 4">
             <a:extLst>
               <a:ext uri="{FF2B5EF4-FFF2-40B4-BE49-F238E27FC236}">
-                <a16:creationId xmlns:a16="http://schemas.microsoft.com/office/drawing/2014/main" id="{203A428B-DB74-A2DE-A691-41DB1292BE70}"/>
+                <a16:creationId xmlns:a16="http://schemas.microsoft.com/office/drawing/2014/main" id="{A56B1E38-EBB7-A2CD-D8CB-EA05A8A11AA2}"/>
               </a:ext>
             </a:extLst>
           </p:cNvPr>
@@ -2958,7 +2958,7 @@
           <p:cNvPr id="6" name="灯片编号占位符 5">
             <a:extLst>
               <a:ext uri="{FF2B5EF4-FFF2-40B4-BE49-F238E27FC236}">
-                <a16:creationId xmlns:a16="http://schemas.microsoft.com/office/drawing/2014/main" id="{A72A4813-0EB3-F671-4B15-EB2ACAB9D3C0}"/>
+                <a16:creationId xmlns:a16="http://schemas.microsoft.com/office/drawing/2014/main" id="{C86BE638-8A94-0CAC-1D9A-F05003D33718}"/>
               </a:ext>
             </a:extLst>
           </p:cNvPr>
@@ -2992,7 +2992,7 @@
             </a:lvl1pPr>
           </a:lstStyle>
           <a:p>
-            <a:fld id="{1123E4E8-26FA-479C-913C-ED55A540B23B}" type="slidenum">
+            <a:fld id="{20D57A04-55AA-454D-B4EA-6E452F192E81}" type="slidenum">
               <a:rPr lang="zh-CN" altLang="en-US" smtClean="0"/>
               <a:t>‹#›</a:t>
             </a:fld>
@@ -3003,7 +3003,7 @@
     </p:spTree>
     <p:extLst>
       <p:ext uri="{BB962C8B-B14F-4D97-AF65-F5344CB8AC3E}">
-        <p14:creationId xmlns:p14="http://schemas.microsoft.com/office/powerpoint/2010/main" val="229859727"/>
+        <p14:creationId xmlns:p14="http://schemas.microsoft.com/office/powerpoint/2010/main" val="3255513274"/>
       </p:ext>
     </p:extLst>
   </p:cSld>
